--- a/.lessons/15 Fundamental Database - Migration and Seeding/3 Table Data Types/1.pptx
+++ b/.lessons/15 Fundamental Database - Migration and Seeding/3 Table Data Types/1.pptx
@@ -7,6 +7,9 @@
   <p:sldIdLst>
     <p:sldId id="385" r:id="rId2"/>
     <p:sldId id="386" r:id="rId3"/>
+    <p:sldId id="387" r:id="rId4"/>
+    <p:sldId id="388" r:id="rId5"/>
+    <p:sldId id="389" r:id="rId6"/>
   </p:sldIdLst>
   <p:sldSz cx="12192000" cy="6858000"/>
   <p:notesSz cx="6858000" cy="9144000"/>
@@ -3347,8 +3350,8 @@
         </p:nvSpPr>
         <p:spPr>
           <a:xfrm>
-            <a:off x="217714" y="255046"/>
-            <a:ext cx="11756571" cy="355354"/>
+            <a:off x="217715" y="255046"/>
+            <a:ext cx="4335432" cy="2155847"/>
           </a:xfrm>
           <a:prstGeom prst="rect">
             <a:avLst/>
@@ -3361,12 +3364,90 @@
           </a:bodyPr>
           <a:lstStyle/>
           <a:p>
-            <a:pPr>
+            <a:pPr algn="just">
               <a:lnSpc>
                 <a:spcPct val="150000"/>
               </a:lnSpc>
               <a:buNone/>
             </a:pPr>
+            <a:r>
+              <a:rPr kumimoji="0" lang="en-US" altLang="en-US" sz="1300" b="0" i="0" u="none" strike="noStrike" cap="none" normalizeH="0" baseline="0">
+                <a:ln>
+                  <a:noFill/>
+                </a:ln>
+                <a:solidFill>
+                  <a:schemeClr val="tx1"/>
+                </a:solidFill>
+                <a:effectLst/>
+                <a:latin typeface="Arial" panose="020B0604020202020204" pitchFamily="34" charset="0"/>
+              </a:rPr>
+              <a:t>Laravel-də migration faylında </a:t>
+            </a:r>
+            <a:r>
+              <a:rPr kumimoji="0" lang="en-US" altLang="en-US" sz="1300" b="1" i="0" u="none" strike="noStrike" cap="none" normalizeH="0" baseline="0">
+                <a:ln>
+                  <a:noFill/>
+                </a:ln>
+                <a:solidFill>
+                  <a:srgbClr val="FF0000"/>
+                </a:solidFill>
+                <a:effectLst/>
+                <a:latin typeface="Arial" panose="020B0604020202020204" pitchFamily="34" charset="0"/>
+              </a:rPr>
+              <a:t>$table-&gt; </a:t>
+            </a:r>
+            <a:r>
+              <a:rPr kumimoji="0" lang="en-US" altLang="en-US" sz="1300" b="0" i="0" u="none" strike="noStrike" cap="none" normalizeH="0" baseline="0">
+                <a:ln>
+                  <a:noFill/>
+                </a:ln>
+                <a:solidFill>
+                  <a:schemeClr val="tx1"/>
+                </a:solidFill>
+                <a:effectLst/>
+                <a:latin typeface="Arial" panose="020B0604020202020204" pitchFamily="34" charset="0"/>
+              </a:rPr>
+              <a:t>yazdıqdan sonra istifadə etdiyimiz sütun tipləri (data types) verilənlər bazasında hansı növ məlumatların saxlanılacağını müəyyən edir. Aşağıda Laravel-də ən çox istifadə olunan sütun tiplərini, onların nə iş gördüyünü</a:t>
+            </a:r>
+            <a:r>
+              <a:rPr kumimoji="0" lang="az-Latn-AZ" altLang="en-US" sz="1300" b="0" i="0" u="none" strike="noStrike" cap="none" normalizeH="0" baseline="0">
+                <a:ln>
+                  <a:noFill/>
+                </a:ln>
+                <a:solidFill>
+                  <a:schemeClr val="tx1"/>
+                </a:solidFill>
+                <a:effectLst/>
+                <a:latin typeface="Arial" panose="020B0604020202020204" pitchFamily="34" charset="0"/>
+              </a:rPr>
+              <a:t>s</a:t>
+            </a:r>
+            <a:r>
+              <a:rPr kumimoji="0" lang="en-US" altLang="en-US" sz="1300" b="0" i="0" u="none" strike="noStrike" cap="none" normalizeH="0" baseline="0">
+                <a:ln>
+                  <a:noFill/>
+                </a:ln>
+                <a:solidFill>
+                  <a:schemeClr val="tx1"/>
+                </a:solidFill>
+                <a:effectLst/>
+                <a:latin typeface="Arial" panose="020B0604020202020204" pitchFamily="34" charset="0"/>
+              </a:rPr>
+              <a:t> və bəzi kombinasiya imkanlarını ətraflı şəkildə izah </a:t>
+            </a:r>
+            <a:r>
+              <a:rPr kumimoji="0" lang="az-Latn-AZ" altLang="en-US" sz="1300" b="0" i="0" u="none" strike="noStrike" cap="none" normalizeH="0" baseline="0">
+                <a:ln>
+                  <a:noFill/>
+                </a:ln>
+                <a:solidFill>
+                  <a:schemeClr val="tx1"/>
+                </a:solidFill>
+                <a:effectLst/>
+                <a:latin typeface="Arial" panose="020B0604020202020204" pitchFamily="34" charset="0"/>
+              </a:rPr>
+              <a:t>edək</a:t>
+            </a:r>
             <a:r>
               <a:rPr kumimoji="0" lang="en-US" altLang="en-US" sz="1300" b="0" i="0" u="none" strike="noStrike" cap="none" normalizeH="0" baseline="0">
                 <a:ln>
@@ -3381,8 +3462,70 @@
               <a:t>.</a:t>
             </a:r>
           </a:p>
-        </p:txBody>
-      </p:sp>
+          <a:p>
+            <a:pPr>
+              <a:lnSpc>
+                <a:spcPct val="150000"/>
+              </a:lnSpc>
+              <a:buNone/>
+            </a:pPr>
+            <a:endParaRPr kumimoji="0" lang="en-US" altLang="en-US" sz="1300" b="0" i="0" u="none" strike="noStrike" cap="none" normalizeH="0" baseline="0">
+              <a:ln>
+                <a:noFill/>
+              </a:ln>
+              <a:solidFill>
+                <a:schemeClr val="tx1"/>
+              </a:solidFill>
+              <a:effectLst/>
+              <a:latin typeface="Arial" panose="020B0604020202020204" pitchFamily="34" charset="0"/>
+            </a:endParaRPr>
+          </a:p>
+        </p:txBody>
+      </p:sp>
+      <p:pic>
+        <p:nvPicPr>
+          <p:cNvPr id="4" name="Picture 3">
+            <a:extLst>
+              <a:ext uri="{FF2B5EF4-FFF2-40B4-BE49-F238E27FC236}">
+                <a16:creationId xmlns:a16="http://schemas.microsoft.com/office/drawing/2014/main" id="{A2ABFBE7-BCD6-3649-E6AD-3822880C6290}"/>
+              </a:ext>
+            </a:extLst>
+          </p:cNvPr>
+          <p:cNvPicPr>
+            <a:picLocks noChangeAspect="1"/>
+          </p:cNvPicPr>
+          <p:nvPr/>
+        </p:nvPicPr>
+        <p:blipFill>
+          <a:blip r:embed="rId2"/>
+          <a:stretch>
+            <a:fillRect/>
+          </a:stretch>
+        </p:blipFill>
+        <p:spPr>
+          <a:xfrm>
+            <a:off x="5061857" y="0"/>
+            <a:ext cx="7130143" cy="6858000"/>
+          </a:xfrm>
+          <a:prstGeom prst="rect">
+            <a:avLst/>
+          </a:prstGeom>
+          <a:ln w="38100" cap="sq">
+            <a:solidFill>
+              <a:srgbClr val="000000"/>
+            </a:solidFill>
+            <a:prstDash val="solid"/>
+            <a:miter lim="800000"/>
+          </a:ln>
+          <a:effectLst>
+            <a:outerShdw blurRad="50800" dist="38100" dir="2700000" algn="tl" rotWithShape="0">
+              <a:srgbClr val="000000">
+                <a:alpha val="43000"/>
+              </a:srgbClr>
+            </a:outerShdw>
+          </a:effectLst>
+        </p:spPr>
+      </p:pic>
     </p:spTree>
     <p:extLst>
       <p:ext uri="{BB962C8B-B14F-4D97-AF65-F5344CB8AC3E}">
@@ -3434,6 +3577,707 @@
         <p:spPr>
           <a:xfrm>
             <a:off x="217714" y="255046"/>
+            <a:ext cx="11756571" cy="3356175"/>
+          </a:xfrm>
+          <a:prstGeom prst="rect">
+            <a:avLst/>
+          </a:prstGeom>
+          <a:noFill/>
+        </p:spPr>
+        <p:txBody>
+          <a:bodyPr wrap="square">
+            <a:spAutoFit/>
+          </a:bodyPr>
+          <a:lstStyle/>
+          <a:p>
+            <a:pPr>
+              <a:lnSpc>
+                <a:spcPct val="150000"/>
+              </a:lnSpc>
+              <a:buNone/>
+            </a:pPr>
+            <a:r>
+              <a:rPr kumimoji="0" lang="en-US" altLang="en-US" sz="1300" b="1" i="0" u="none" strike="noStrike" cap="none" normalizeH="0" baseline="0">
+                <a:ln>
+                  <a:noFill/>
+                </a:ln>
+                <a:solidFill>
+                  <a:schemeClr val="tx1"/>
+                </a:solidFill>
+                <a:effectLst/>
+                <a:latin typeface="Arial" panose="020B0604020202020204" pitchFamily="34" charset="0"/>
+              </a:rPr>
+              <a:t>Data Type-lar ilə kombinasiyalar (modifikatorlar)</a:t>
+            </a:r>
+          </a:p>
+          <a:p>
+            <a:pPr>
+              <a:lnSpc>
+                <a:spcPct val="150000"/>
+              </a:lnSpc>
+              <a:buNone/>
+            </a:pPr>
+            <a:r>
+              <a:rPr kumimoji="0" lang="en-US" altLang="en-US" sz="1300" b="0" i="0" u="none" strike="noStrike" cap="none" normalizeH="0" baseline="0">
+                <a:ln>
+                  <a:noFill/>
+                </a:ln>
+                <a:solidFill>
+                  <a:schemeClr val="tx1"/>
+                </a:solidFill>
+                <a:effectLst/>
+                <a:latin typeface="Arial" panose="020B0604020202020204" pitchFamily="34" charset="0"/>
+              </a:rPr>
+              <a:t>Laravel-in migration sistemində sütunlara əlavə xüsusiyyətlər vermək üçün zəncirvari modifikatorlar əlavə edilir. </a:t>
+            </a:r>
+            <a:r>
+              <a:rPr kumimoji="0" lang="en-US" altLang="en-US" sz="1300" b="1" i="0" u="none" strike="noStrike" cap="none" normalizeH="0" baseline="0">
+                <a:ln>
+                  <a:noFill/>
+                </a:ln>
+                <a:solidFill>
+                  <a:schemeClr val="tx1"/>
+                </a:solidFill>
+                <a:effectLst/>
+                <a:latin typeface="Arial" panose="020B0604020202020204" pitchFamily="34" charset="0"/>
+              </a:rPr>
+              <a:t>Məsələn</a:t>
+            </a:r>
+            <a:r>
+              <a:rPr kumimoji="0" lang="en-US" altLang="en-US" sz="1300" b="0" i="0" u="none" strike="noStrike" cap="none" normalizeH="0" baseline="0">
+                <a:ln>
+                  <a:noFill/>
+                </a:ln>
+                <a:solidFill>
+                  <a:schemeClr val="tx1"/>
+                </a:solidFill>
+                <a:effectLst/>
+                <a:latin typeface="Arial" panose="020B0604020202020204" pitchFamily="34" charset="0"/>
+              </a:rPr>
+              <a:t>:</a:t>
+            </a:r>
+            <a:endParaRPr kumimoji="0" lang="az-Latn-AZ" altLang="en-US" sz="1300" b="0" i="0" u="none" strike="noStrike" cap="none" normalizeH="0" baseline="0">
+              <a:ln>
+                <a:noFill/>
+              </a:ln>
+              <a:solidFill>
+                <a:schemeClr val="tx1"/>
+              </a:solidFill>
+              <a:effectLst/>
+              <a:latin typeface="Arial" panose="020B0604020202020204" pitchFamily="34" charset="0"/>
+            </a:endParaRPr>
+          </a:p>
+          <a:p>
+            <a:pPr>
+              <a:lnSpc>
+                <a:spcPct val="150000"/>
+              </a:lnSpc>
+              <a:buNone/>
+            </a:pPr>
+            <a:endParaRPr lang="az-Latn-AZ" altLang="en-US" sz="1300">
+              <a:latin typeface="Arial" panose="020B0604020202020204" pitchFamily="34" charset="0"/>
+            </a:endParaRPr>
+          </a:p>
+          <a:p>
+            <a:pPr>
+              <a:lnSpc>
+                <a:spcPct val="150000"/>
+              </a:lnSpc>
+              <a:buNone/>
+            </a:pPr>
+            <a:endParaRPr kumimoji="0" lang="az-Latn-AZ" altLang="en-US" sz="1300" b="0" i="0" u="none" strike="noStrike" cap="none" normalizeH="0" baseline="0">
+              <a:ln>
+                <a:noFill/>
+              </a:ln>
+              <a:solidFill>
+                <a:schemeClr val="tx1"/>
+              </a:solidFill>
+              <a:effectLst/>
+              <a:latin typeface="Arial" panose="020B0604020202020204" pitchFamily="34" charset="0"/>
+            </a:endParaRPr>
+          </a:p>
+          <a:p>
+            <a:pPr>
+              <a:lnSpc>
+                <a:spcPct val="150000"/>
+              </a:lnSpc>
+              <a:buNone/>
+            </a:pPr>
+            <a:endParaRPr lang="az-Latn-AZ" altLang="en-US" sz="1300">
+              <a:latin typeface="Arial" panose="020B0604020202020204" pitchFamily="34" charset="0"/>
+            </a:endParaRPr>
+          </a:p>
+          <a:p>
+            <a:pPr>
+              <a:lnSpc>
+                <a:spcPct val="150000"/>
+              </a:lnSpc>
+              <a:buNone/>
+            </a:pPr>
+            <a:endParaRPr kumimoji="0" lang="az-Latn-AZ" altLang="en-US" sz="1300" b="0" i="0" u="none" strike="noStrike" cap="none" normalizeH="0" baseline="0">
+              <a:ln>
+                <a:noFill/>
+              </a:ln>
+              <a:solidFill>
+                <a:schemeClr val="tx1"/>
+              </a:solidFill>
+              <a:effectLst/>
+              <a:latin typeface="Arial" panose="020B0604020202020204" pitchFamily="34" charset="0"/>
+            </a:endParaRPr>
+          </a:p>
+          <a:p>
+            <a:pPr>
+              <a:lnSpc>
+                <a:spcPct val="150000"/>
+              </a:lnSpc>
+              <a:buNone/>
+            </a:pPr>
+            <a:endParaRPr lang="az-Latn-AZ" altLang="en-US" sz="1300">
+              <a:latin typeface="Arial" panose="020B0604020202020204" pitchFamily="34" charset="0"/>
+            </a:endParaRPr>
+          </a:p>
+          <a:p>
+            <a:pPr>
+              <a:lnSpc>
+                <a:spcPct val="150000"/>
+              </a:lnSpc>
+              <a:buNone/>
+            </a:pPr>
+            <a:r>
+              <a:rPr kumimoji="0" lang="en-US" altLang="en-US" sz="1300" b="1" i="0" u="none" strike="noStrike" cap="none" normalizeH="0" baseline="0">
+                <a:ln>
+                  <a:noFill/>
+                </a:ln>
+                <a:solidFill>
+                  <a:schemeClr val="tx1"/>
+                </a:solidFill>
+                <a:effectLst/>
+                <a:latin typeface="Arial" panose="020B0604020202020204" pitchFamily="34" charset="0"/>
+              </a:rPr>
+              <a:t>Bu, deməkdir ki</a:t>
+            </a:r>
+            <a:r>
+              <a:rPr kumimoji="0" lang="en-US" altLang="en-US" sz="1300" b="0" i="0" u="none" strike="noStrike" cap="none" normalizeH="0" baseline="0">
+                <a:ln>
+                  <a:noFill/>
+                </a:ln>
+                <a:solidFill>
+                  <a:schemeClr val="tx1"/>
+                </a:solidFill>
+                <a:effectLst/>
+                <a:latin typeface="Arial" panose="020B0604020202020204" pitchFamily="34" charset="0"/>
+              </a:rPr>
+              <a:t>:</a:t>
+            </a:r>
+          </a:p>
+          <a:p>
+            <a:pPr marL="285750" indent="-285750">
+              <a:lnSpc>
+                <a:spcPct val="150000"/>
+              </a:lnSpc>
+              <a:buFont typeface="Arial" panose="020B0604020202020204" pitchFamily="34" charset="0"/>
+              <a:buChar char="•"/>
+            </a:pPr>
+            <a:r>
+              <a:rPr kumimoji="0" lang="en-US" altLang="en-US" sz="1300" b="0" i="0" u="none" strike="noStrike" cap="none" normalizeH="0" baseline="0">
+                <a:ln>
+                  <a:noFill/>
+                </a:ln>
+                <a:solidFill>
+                  <a:schemeClr val="tx1"/>
+                </a:solidFill>
+                <a:effectLst/>
+                <a:latin typeface="Arial" panose="020B0604020202020204" pitchFamily="34" charset="0"/>
+              </a:rPr>
+              <a:t>email sütunu string olacaq</a:t>
+            </a:r>
+          </a:p>
+          <a:p>
+            <a:pPr marL="285750" indent="-285750">
+              <a:lnSpc>
+                <a:spcPct val="150000"/>
+              </a:lnSpc>
+              <a:buFont typeface="Arial" panose="020B0604020202020204" pitchFamily="34" charset="0"/>
+              <a:buChar char="•"/>
+            </a:pPr>
+            <a:r>
+              <a:rPr kumimoji="0" lang="en-US" altLang="en-US" sz="1300" b="0" i="0" u="none" strike="noStrike" cap="none" normalizeH="0" baseline="0">
+                <a:ln>
+                  <a:noFill/>
+                </a:ln>
+                <a:solidFill>
+                  <a:schemeClr val="tx1"/>
+                </a:solidFill>
+                <a:effectLst/>
+                <a:latin typeface="Arial" panose="020B0604020202020204" pitchFamily="34" charset="0"/>
+              </a:rPr>
+              <a:t>Bənzər dəyəri təkrarlaya bilməz (</a:t>
+            </a:r>
+            <a:r>
+              <a:rPr kumimoji="0" lang="en-US" altLang="en-US" sz="1300" b="1" i="0" u="none" strike="noStrike" cap="none" normalizeH="0" baseline="0">
+                <a:ln>
+                  <a:noFill/>
+                </a:ln>
+                <a:solidFill>
+                  <a:schemeClr val="tx1"/>
+                </a:solidFill>
+                <a:effectLst/>
+                <a:latin typeface="Arial" panose="020B0604020202020204" pitchFamily="34" charset="0"/>
+              </a:rPr>
+              <a:t>unique</a:t>
+            </a:r>
+            <a:r>
+              <a:rPr kumimoji="0" lang="en-US" altLang="en-US" sz="1300" b="0" i="0" u="none" strike="noStrike" cap="none" normalizeH="0" baseline="0">
+                <a:ln>
+                  <a:noFill/>
+                </a:ln>
+                <a:solidFill>
+                  <a:schemeClr val="tx1"/>
+                </a:solidFill>
+                <a:effectLst/>
+                <a:latin typeface="Arial" panose="020B0604020202020204" pitchFamily="34" charset="0"/>
+              </a:rPr>
+              <a:t>)</a:t>
+            </a:r>
+          </a:p>
+          <a:p>
+            <a:pPr marL="285750" indent="-285750">
+              <a:lnSpc>
+                <a:spcPct val="150000"/>
+              </a:lnSpc>
+              <a:buFont typeface="Arial" panose="020B0604020202020204" pitchFamily="34" charset="0"/>
+              <a:buChar char="•"/>
+            </a:pPr>
+            <a:r>
+              <a:rPr kumimoji="0" lang="en-US" altLang="en-US" sz="1300" b="0" i="0" u="none" strike="noStrike" cap="none" normalizeH="0" baseline="0">
+                <a:ln>
+                  <a:noFill/>
+                </a:ln>
+                <a:solidFill>
+                  <a:schemeClr val="tx1"/>
+                </a:solidFill>
+                <a:effectLst/>
+                <a:latin typeface="Arial" panose="020B0604020202020204" pitchFamily="34" charset="0"/>
+              </a:rPr>
+              <a:t>Boş qala bilər (</a:t>
+            </a:r>
+            <a:r>
+              <a:rPr kumimoji="0" lang="en-US" altLang="en-US" sz="1300" b="1" i="0" u="none" strike="noStrike" cap="none" normalizeH="0" baseline="0">
+                <a:ln>
+                  <a:noFill/>
+                </a:ln>
+                <a:solidFill>
+                  <a:schemeClr val="tx1"/>
+                </a:solidFill>
+                <a:effectLst/>
+                <a:latin typeface="Arial" panose="020B0604020202020204" pitchFamily="34" charset="0"/>
+              </a:rPr>
+              <a:t>nullable</a:t>
+            </a:r>
+            <a:r>
+              <a:rPr kumimoji="0" lang="en-US" altLang="en-US" sz="1300" b="0" i="0" u="none" strike="noStrike" cap="none" normalizeH="0" baseline="0">
+                <a:ln>
+                  <a:noFill/>
+                </a:ln>
+                <a:solidFill>
+                  <a:schemeClr val="tx1"/>
+                </a:solidFill>
+                <a:effectLst/>
+                <a:latin typeface="Arial" panose="020B0604020202020204" pitchFamily="34" charset="0"/>
+              </a:rPr>
+              <a:t>)</a:t>
+            </a:r>
+          </a:p>
+        </p:txBody>
+      </p:sp>
+      <p:pic>
+        <p:nvPicPr>
+          <p:cNvPr id="4" name="Picture 3">
+            <a:extLst>
+              <a:ext uri="{FF2B5EF4-FFF2-40B4-BE49-F238E27FC236}">
+                <a16:creationId xmlns:a16="http://schemas.microsoft.com/office/drawing/2014/main" id="{1A0D9054-3115-256C-3552-9068B9CDB766}"/>
+              </a:ext>
+            </a:extLst>
+          </p:cNvPr>
+          <p:cNvPicPr>
+            <a:picLocks noChangeAspect="1"/>
+          </p:cNvPicPr>
+          <p:nvPr/>
+        </p:nvPicPr>
+        <p:blipFill>
+          <a:blip r:embed="rId2"/>
+          <a:stretch>
+            <a:fillRect/>
+          </a:stretch>
+        </p:blipFill>
+        <p:spPr>
+          <a:xfrm>
+            <a:off x="217714" y="1257053"/>
+            <a:ext cx="6992326" cy="724001"/>
+          </a:xfrm>
+          <a:prstGeom prst="rect">
+            <a:avLst/>
+          </a:prstGeom>
+        </p:spPr>
+      </p:pic>
+    </p:spTree>
+    <p:extLst>
+      <p:ext uri="{BB962C8B-B14F-4D97-AF65-F5344CB8AC3E}">
+        <p14:creationId xmlns:p14="http://schemas.microsoft.com/office/powerpoint/2010/main" val="1186759978"/>
+      </p:ext>
+    </p:extLst>
+  </p:cSld>
+  <p:clrMapOvr>
+    <a:masterClrMapping/>
+  </p:clrMapOvr>
+</p:sld>
+</file>
+
+<file path=ppt/slides/slide3.xml><?xml version="1.0" encoding="utf-8"?>
+<p:sld xmlns:a="http://schemas.openxmlformats.org/drawingml/2006/main" xmlns:r="http://schemas.openxmlformats.org/officeDocument/2006/relationships" xmlns:p="http://schemas.openxmlformats.org/presentationml/2006/main">
+  <p:cSld>
+    <p:spTree>
+      <p:nvGrpSpPr>
+        <p:cNvPr id="1" name="">
+          <a:extLst>
+            <a:ext uri="{FF2B5EF4-FFF2-40B4-BE49-F238E27FC236}">
+              <a16:creationId xmlns:a16="http://schemas.microsoft.com/office/drawing/2014/main" id="{F4D7BF3C-B4AD-D2A3-1612-E6161CA7FB4C}"/>
+            </a:ext>
+          </a:extLst>
+        </p:cNvPr>
+        <p:cNvGrpSpPr/>
+        <p:nvPr/>
+      </p:nvGrpSpPr>
+      <p:grpSpPr>
+        <a:xfrm>
+          <a:off x="0" y="0"/>
+          <a:ext cx="0" cy="0"/>
+          <a:chOff x="0" y="0"/>
+          <a:chExt cx="0" cy="0"/>
+        </a:xfrm>
+      </p:grpSpPr>
+      <p:sp>
+        <p:nvSpPr>
+          <p:cNvPr id="3" name="TextBox 2">
+            <a:extLst>
+              <a:ext uri="{FF2B5EF4-FFF2-40B4-BE49-F238E27FC236}">
+                <a16:creationId xmlns:a16="http://schemas.microsoft.com/office/drawing/2014/main" id="{EA5F2CC7-FEAD-1EED-3945-19BFB0E032D1}"/>
+              </a:ext>
+            </a:extLst>
+          </p:cNvPr>
+          <p:cNvSpPr txBox="1"/>
+          <p:nvPr/>
+        </p:nvSpPr>
+        <p:spPr>
+          <a:xfrm>
+            <a:off x="217714" y="255046"/>
+            <a:ext cx="11756571" cy="355354"/>
+          </a:xfrm>
+          <a:prstGeom prst="rect">
+            <a:avLst/>
+          </a:prstGeom>
+          <a:noFill/>
+        </p:spPr>
+        <p:txBody>
+          <a:bodyPr wrap="square">
+            <a:spAutoFit/>
+          </a:bodyPr>
+          <a:lstStyle/>
+          <a:p>
+            <a:pPr>
+              <a:lnSpc>
+                <a:spcPct val="150000"/>
+              </a:lnSpc>
+              <a:buNone/>
+            </a:pPr>
+            <a:r>
+              <a:rPr kumimoji="0" lang="en-US" altLang="en-US" sz="1300" b="1" i="0" u="none" strike="noStrike" cap="none" normalizeH="0" baseline="0">
+                <a:ln>
+                  <a:noFill/>
+                </a:ln>
+                <a:solidFill>
+                  <a:schemeClr val="tx1"/>
+                </a:solidFill>
+                <a:effectLst/>
+                <a:latin typeface="Arial" panose="020B0604020202020204" pitchFamily="34" charset="0"/>
+              </a:rPr>
+              <a:t>Ən məşhur modifikatorlar</a:t>
+            </a:r>
+            <a:r>
+              <a:rPr kumimoji="0" lang="en-US" altLang="en-US" sz="1300" b="0" i="0" u="none" strike="noStrike" cap="none" normalizeH="0" baseline="0">
+                <a:ln>
+                  <a:noFill/>
+                </a:ln>
+                <a:solidFill>
+                  <a:schemeClr val="tx1"/>
+                </a:solidFill>
+                <a:effectLst/>
+                <a:latin typeface="Arial" panose="020B0604020202020204" pitchFamily="34" charset="0"/>
+              </a:rPr>
+              <a:t>:</a:t>
+            </a:r>
+          </a:p>
+        </p:txBody>
+      </p:sp>
+      <p:pic>
+        <p:nvPicPr>
+          <p:cNvPr id="6" name="Picture 5">
+            <a:extLst>
+              <a:ext uri="{FF2B5EF4-FFF2-40B4-BE49-F238E27FC236}">
+                <a16:creationId xmlns:a16="http://schemas.microsoft.com/office/drawing/2014/main" id="{33962E09-FE39-DF87-C0BB-609ECBF9CC31}"/>
+              </a:ext>
+            </a:extLst>
+          </p:cNvPr>
+          <p:cNvPicPr>
+            <a:picLocks noChangeAspect="1"/>
+          </p:cNvPicPr>
+          <p:nvPr/>
+        </p:nvPicPr>
+        <p:blipFill>
+          <a:blip r:embed="rId2"/>
+          <a:stretch>
+            <a:fillRect/>
+          </a:stretch>
+        </p:blipFill>
+        <p:spPr>
+          <a:xfrm>
+            <a:off x="217714" y="820875"/>
+            <a:ext cx="9269119" cy="4820323"/>
+          </a:xfrm>
+          <a:prstGeom prst="rect">
+            <a:avLst/>
+          </a:prstGeom>
+        </p:spPr>
+      </p:pic>
+    </p:spTree>
+    <p:extLst>
+      <p:ext uri="{BB962C8B-B14F-4D97-AF65-F5344CB8AC3E}">
+        <p14:creationId xmlns:p14="http://schemas.microsoft.com/office/powerpoint/2010/main" val="3583888445"/>
+      </p:ext>
+    </p:extLst>
+  </p:cSld>
+  <p:clrMapOvr>
+    <a:masterClrMapping/>
+  </p:clrMapOvr>
+</p:sld>
+</file>
+
+<file path=ppt/slides/slide4.xml><?xml version="1.0" encoding="utf-8"?>
+<p:sld xmlns:a="http://schemas.openxmlformats.org/drawingml/2006/main" xmlns:r="http://schemas.openxmlformats.org/officeDocument/2006/relationships" xmlns:p="http://schemas.openxmlformats.org/presentationml/2006/main">
+  <p:cSld>
+    <p:spTree>
+      <p:nvGrpSpPr>
+        <p:cNvPr id="1" name="">
+          <a:extLst>
+            <a:ext uri="{FF2B5EF4-FFF2-40B4-BE49-F238E27FC236}">
+              <a16:creationId xmlns:a16="http://schemas.microsoft.com/office/drawing/2014/main" id="{FC6DF839-DC8C-1185-7EBE-BEFE7D697A7A}"/>
+            </a:ext>
+          </a:extLst>
+        </p:cNvPr>
+        <p:cNvGrpSpPr/>
+        <p:nvPr/>
+      </p:nvGrpSpPr>
+      <p:grpSpPr>
+        <a:xfrm>
+          <a:off x="0" y="0"/>
+          <a:ext cx="0" cy="0"/>
+          <a:chOff x="0" y="0"/>
+          <a:chExt cx="0" cy="0"/>
+        </a:xfrm>
+      </p:grpSpPr>
+      <p:sp>
+        <p:nvSpPr>
+          <p:cNvPr id="3" name="TextBox 2">
+            <a:extLst>
+              <a:ext uri="{FF2B5EF4-FFF2-40B4-BE49-F238E27FC236}">
+                <a16:creationId xmlns:a16="http://schemas.microsoft.com/office/drawing/2014/main" id="{A0E48C76-281A-4233-F1E1-1803846488F9}"/>
+              </a:ext>
+            </a:extLst>
+          </p:cNvPr>
+          <p:cNvSpPr txBox="1"/>
+          <p:nvPr/>
+        </p:nvSpPr>
+        <p:spPr>
+          <a:xfrm>
+            <a:off x="217714" y="255046"/>
+            <a:ext cx="11756571" cy="955518"/>
+          </a:xfrm>
+          <a:prstGeom prst="rect">
+            <a:avLst/>
+          </a:prstGeom>
+          <a:noFill/>
+        </p:spPr>
+        <p:txBody>
+          <a:bodyPr wrap="square">
+            <a:spAutoFit/>
+          </a:bodyPr>
+          <a:lstStyle/>
+          <a:p>
+            <a:pPr>
+              <a:lnSpc>
+                <a:spcPct val="150000"/>
+              </a:lnSpc>
+              <a:buNone/>
+            </a:pPr>
+            <a:r>
+              <a:rPr kumimoji="0" lang="en-US" altLang="en-US" sz="1300" b="0" i="0" u="none" strike="noStrike" cap="none" normalizeH="0" baseline="0">
+                <a:ln>
+                  <a:noFill/>
+                </a:ln>
+                <a:solidFill>
+                  <a:schemeClr val="tx1"/>
+                </a:solidFill>
+                <a:effectLst/>
+                <a:latin typeface="Arial" panose="020B0604020202020204" pitchFamily="34" charset="0"/>
+              </a:rPr>
+              <a:t>BONUS: Laravel-də Table Helper-lər</a:t>
+            </a:r>
+            <a:endParaRPr kumimoji="0" lang="az-Latn-AZ" altLang="en-US" sz="1300" b="0" i="0" u="none" strike="noStrike" cap="none" normalizeH="0" baseline="0">
+              <a:ln>
+                <a:noFill/>
+              </a:ln>
+              <a:solidFill>
+                <a:schemeClr val="tx1"/>
+              </a:solidFill>
+              <a:effectLst/>
+              <a:latin typeface="Arial" panose="020B0604020202020204" pitchFamily="34" charset="0"/>
+            </a:endParaRPr>
+          </a:p>
+          <a:p>
+            <a:pPr>
+              <a:lnSpc>
+                <a:spcPct val="150000"/>
+              </a:lnSpc>
+              <a:buNone/>
+            </a:pPr>
+            <a:endParaRPr kumimoji="0" lang="en-US" altLang="en-US" sz="1300" b="0" i="0" u="none" strike="noStrike" cap="none" normalizeH="0" baseline="0">
+              <a:ln>
+                <a:noFill/>
+              </a:ln>
+              <a:solidFill>
+                <a:schemeClr val="tx1"/>
+              </a:solidFill>
+              <a:effectLst/>
+              <a:latin typeface="Arial" panose="020B0604020202020204" pitchFamily="34" charset="0"/>
+            </a:endParaRPr>
+          </a:p>
+          <a:p>
+            <a:pPr>
+              <a:lnSpc>
+                <a:spcPct val="150000"/>
+              </a:lnSpc>
+              <a:buNone/>
+            </a:pPr>
+            <a:r>
+              <a:rPr kumimoji="0" lang="en-US" altLang="en-US" sz="1300" b="1" i="0" u="none" strike="noStrike" cap="none" normalizeH="0" baseline="0">
+                <a:ln>
+                  <a:noFill/>
+                </a:ln>
+                <a:solidFill>
+                  <a:schemeClr val="tx1"/>
+                </a:solidFill>
+                <a:effectLst/>
+                <a:latin typeface="Arial" panose="020B0604020202020204" pitchFamily="34" charset="0"/>
+              </a:rPr>
+              <a:t>Laravel bu helper-lərlə migration-ları sadələşdirir</a:t>
+            </a:r>
+            <a:r>
+              <a:rPr kumimoji="0" lang="en-US" altLang="en-US" sz="1300" b="0" i="0" u="none" strike="noStrike" cap="none" normalizeH="0" baseline="0">
+                <a:ln>
+                  <a:noFill/>
+                </a:ln>
+                <a:solidFill>
+                  <a:schemeClr val="tx1"/>
+                </a:solidFill>
+                <a:effectLst/>
+                <a:latin typeface="Arial" panose="020B0604020202020204" pitchFamily="34" charset="0"/>
+              </a:rPr>
+              <a:t>:</a:t>
+            </a:r>
+          </a:p>
+        </p:txBody>
+      </p:sp>
+      <p:pic>
+        <p:nvPicPr>
+          <p:cNvPr id="4" name="Picture 3">
+            <a:extLst>
+              <a:ext uri="{FF2B5EF4-FFF2-40B4-BE49-F238E27FC236}">
+                <a16:creationId xmlns:a16="http://schemas.microsoft.com/office/drawing/2014/main" id="{10D2920A-18EA-A89A-52E4-727DD4E9A2BE}"/>
+              </a:ext>
+            </a:extLst>
+          </p:cNvPr>
+          <p:cNvPicPr>
+            <a:picLocks noChangeAspect="1"/>
+          </p:cNvPicPr>
+          <p:nvPr/>
+        </p:nvPicPr>
+        <p:blipFill>
+          <a:blip r:embed="rId2"/>
+          <a:stretch>
+            <a:fillRect/>
+          </a:stretch>
+        </p:blipFill>
+        <p:spPr>
+          <a:xfrm>
+            <a:off x="217714" y="1589266"/>
+            <a:ext cx="6925642" cy="1190791"/>
+          </a:xfrm>
+          <a:prstGeom prst="rect">
+            <a:avLst/>
+          </a:prstGeom>
+        </p:spPr>
+      </p:pic>
+    </p:spTree>
+    <p:extLst>
+      <p:ext uri="{BB962C8B-B14F-4D97-AF65-F5344CB8AC3E}">
+        <p14:creationId xmlns:p14="http://schemas.microsoft.com/office/powerpoint/2010/main" val="919987958"/>
+      </p:ext>
+    </p:extLst>
+  </p:cSld>
+  <p:clrMapOvr>
+    <a:masterClrMapping/>
+  </p:clrMapOvr>
+</p:sld>
+</file>
+
+<file path=ppt/slides/slide5.xml><?xml version="1.0" encoding="utf-8"?>
+<p:sld xmlns:a="http://schemas.openxmlformats.org/drawingml/2006/main" xmlns:r="http://schemas.openxmlformats.org/officeDocument/2006/relationships" xmlns:p="http://schemas.openxmlformats.org/presentationml/2006/main">
+  <p:cSld>
+    <p:spTree>
+      <p:nvGrpSpPr>
+        <p:cNvPr id="1" name="">
+          <a:extLst>
+            <a:ext uri="{FF2B5EF4-FFF2-40B4-BE49-F238E27FC236}">
+              <a16:creationId xmlns:a16="http://schemas.microsoft.com/office/drawing/2014/main" id="{1C960312-DF7F-1CF2-1A17-73FD5086B621}"/>
+            </a:ext>
+          </a:extLst>
+        </p:cNvPr>
+        <p:cNvGrpSpPr/>
+        <p:nvPr/>
+      </p:nvGrpSpPr>
+      <p:grpSpPr>
+        <a:xfrm>
+          <a:off x="0" y="0"/>
+          <a:ext cx="0" cy="0"/>
+          <a:chOff x="0" y="0"/>
+          <a:chExt cx="0" cy="0"/>
+        </a:xfrm>
+      </p:grpSpPr>
+      <p:sp>
+        <p:nvSpPr>
+          <p:cNvPr id="3" name="TextBox 2">
+            <a:extLst>
+              <a:ext uri="{FF2B5EF4-FFF2-40B4-BE49-F238E27FC236}">
+                <a16:creationId xmlns:a16="http://schemas.microsoft.com/office/drawing/2014/main" id="{023C6495-D76B-773A-2AC5-414C31841F57}"/>
+              </a:ext>
+            </a:extLst>
+          </p:cNvPr>
+          <p:cNvSpPr txBox="1"/>
+          <p:nvPr/>
+        </p:nvSpPr>
+        <p:spPr>
+          <a:xfrm>
+            <a:off x="217714" y="255046"/>
             <a:ext cx="11756571" cy="355354"/>
           </a:xfrm>
           <a:prstGeom prst="rect">
@@ -3472,7 +4316,7 @@
     </p:spTree>
     <p:extLst>
       <p:ext uri="{BB962C8B-B14F-4D97-AF65-F5344CB8AC3E}">
-        <p14:creationId xmlns:p14="http://schemas.microsoft.com/office/powerpoint/2010/main" val="1186759978"/>
+        <p14:creationId xmlns:p14="http://schemas.microsoft.com/office/powerpoint/2010/main" val="3357907526"/>
       </p:ext>
     </p:extLst>
   </p:cSld>
